--- a/docs/presentations/harmony2021/sbmlutils & sbmlsim.pptx
+++ b/docs/presentations/harmony2021/sbmlutils & sbmlsim.pptx
@@ -6602,8 +6602,8 @@
         </p:blipFill>
         <p:spPr>
           <a:xfrm>
-            <a:off x="1960325" y="2082025"/>
-            <a:ext cx="1343025" cy="571500"/>
+            <a:off x="2420750" y="2277950"/>
+            <a:ext cx="882600" cy="375575"/>
           </a:xfrm>
           <a:prstGeom prst="rect">
             <a:avLst/>
@@ -6698,7 +6698,7 @@
         </p:spPr>
         <p:txBody>
           <a:bodyPr anchorCtr="0" anchor="t" bIns="91425" lIns="91425" spcFirstLastPara="1" rIns="91425" wrap="square" tIns="91425">
-            <a:normAutofit fontScale="77500" lnSpcReduction="20000"/>
+            <a:normAutofit fontScale="70000" lnSpcReduction="20000"/>
           </a:bodyPr>
           <a:lstStyle/>
           <a:p>
@@ -6731,6 +6731,18 @@
               </a:rPr>
               <a:t>https://github.com/matthiaskoenig/sbmlutils/</a:t>
             </a:r>
+            <a:br>
+              <a:rPr lang="en" sz="1787"/>
+            </a:br>
+            <a:r>
+              <a:rPr lang="en" sz="1787" u="sng">
+                <a:solidFill>
+                  <a:schemeClr val="hlink"/>
+                </a:solidFill>
+                <a:hlinkClick r:id="rId4"/>
+              </a:rPr>
+              <a:t>https://sbmlutils.readthedocs.io</a:t>
+            </a:r>
             <a:endParaRPr sz="1787"/>
           </a:p>
           <a:p>
@@ -6750,7 +6762,7 @@
             <a:endParaRPr b="1" sz="1800"/>
           </a:p>
           <a:p>
-            <a:pPr indent="-317182" lvl="0" marL="457200" rtl="0" algn="l">
+            <a:pPr indent="-308610" lvl="0" marL="457200" rtl="0" algn="l">
               <a:spcBef>
                 <a:spcPts val="1200"/>
               </a:spcBef>
@@ -6767,7 +6779,7 @@
             <a:endParaRPr sz="1800"/>
           </a:p>
           <a:p>
-            <a:pPr indent="-317182" lvl="0" marL="457200" rtl="0" algn="l">
+            <a:pPr indent="-308610" lvl="0" marL="457200" rtl="0" algn="l">
               <a:spcBef>
                 <a:spcPts val="0"/>
               </a:spcBef>
@@ -6784,7 +6796,7 @@
             <a:endParaRPr sz="1800"/>
           </a:p>
           <a:p>
-            <a:pPr indent="-317182" lvl="0" marL="457200" rtl="0" algn="l">
+            <a:pPr indent="-308610" lvl="0" marL="457200" rtl="0" algn="l">
               <a:spcBef>
                 <a:spcPts val="0"/>
               </a:spcBef>
@@ -6801,7 +6813,7 @@
             <a:endParaRPr sz="1800"/>
           </a:p>
           <a:p>
-            <a:pPr indent="-317182" lvl="0" marL="457200" rtl="0" algn="l">
+            <a:pPr indent="-308610" lvl="0" marL="457200" rtl="0" algn="l">
               <a:spcBef>
                 <a:spcPts val="0"/>
               </a:spcBef>
@@ -6818,7 +6830,7 @@
             <a:endParaRPr sz="1800"/>
           </a:p>
           <a:p>
-            <a:pPr indent="-317182" lvl="0" marL="457200" rtl="0" algn="l">
+            <a:pPr indent="-308610" lvl="0" marL="457200" rtl="0" algn="l">
               <a:spcBef>
                 <a:spcPts val="0"/>
               </a:spcBef>
@@ -6835,7 +6847,7 @@
             <a:endParaRPr sz="1800"/>
           </a:p>
           <a:p>
-            <a:pPr indent="-317182" lvl="0" marL="457200" rtl="0" algn="l">
+            <a:pPr indent="-308610" lvl="0" marL="457200" rtl="0" algn="l">
               <a:spcBef>
                 <a:spcPts val="0"/>
               </a:spcBef>
@@ -6868,7 +6880,7 @@
             <a:endParaRPr b="1" sz="1800"/>
           </a:p>
           <a:p>
-            <a:pPr indent="-317182" lvl="0" marL="457200" rtl="0" algn="l">
+            <a:pPr indent="-308610" lvl="0" marL="457200" rtl="0" algn="l">
               <a:spcBef>
                 <a:spcPts val="1200"/>
               </a:spcBef>
@@ -6893,7 +6905,7 @@
           <p:nvPr/>
         </p:nvPicPr>
         <p:blipFill>
-          <a:blip r:embed="rId4">
+          <a:blip r:embed="rId5">
             <a:alphaModFix/>
           </a:blip>
           <a:stretch>
@@ -6921,7 +6933,7 @@
           <p:nvPr/>
         </p:nvPicPr>
         <p:blipFill>
-          <a:blip r:embed="rId5">
+          <a:blip r:embed="rId6">
             <a:alphaModFix/>
           </a:blip>
           <a:stretch>
@@ -6949,7 +6961,7 @@
           <p:nvPr/>
         </p:nvPicPr>
         <p:blipFill>
-          <a:blip r:embed="rId6">
+          <a:blip r:embed="rId7">
             <a:alphaModFix/>
           </a:blip>
           <a:stretch>
@@ -6977,7 +6989,7 @@
           <p:nvPr/>
         </p:nvPicPr>
         <p:blipFill>
-          <a:blip r:embed="rId7">
+          <a:blip r:embed="rId8">
             <a:alphaModFix/>
           </a:blip>
           <a:stretch>
@@ -7005,7 +7017,7 @@
           <p:nvPr/>
         </p:nvPicPr>
         <p:blipFill>
-          <a:blip r:embed="rId8">
+          <a:blip r:embed="rId9">
             <a:alphaModFix/>
           </a:blip>
           <a:stretch>
@@ -7033,7 +7045,7 @@
           <p:nvPr/>
         </p:nvPicPr>
         <p:blipFill>
-          <a:blip r:embed="rId9">
+          <a:blip r:embed="rId10">
             <a:alphaModFix/>
           </a:blip>
           <a:stretch>
@@ -7175,8 +7187,8 @@
         </p:blipFill>
         <p:spPr>
           <a:xfrm>
-            <a:off x="1960325" y="2082025"/>
-            <a:ext cx="1343025" cy="571500"/>
+            <a:off x="2420750" y="2277950"/>
+            <a:ext cx="882600" cy="375575"/>
           </a:xfrm>
           <a:prstGeom prst="rect">
             <a:avLst/>
@@ -7271,7 +7283,7 @@
         </p:spPr>
         <p:txBody>
           <a:bodyPr anchorCtr="0" anchor="t" bIns="91425" lIns="91425" spcFirstLastPara="1" rIns="91425" wrap="square" tIns="91425">
-            <a:normAutofit fontScale="92500" lnSpcReduction="20000"/>
+            <a:normAutofit fontScale="77500" lnSpcReduction="10000"/>
           </a:bodyPr>
           <a:lstStyle/>
           <a:p>
@@ -7308,6 +7320,18 @@
               </a:rPr>
               <a:t>https://github.com/matthiaskoenig/sbmlsim</a:t>
             </a:r>
+            <a:br>
+              <a:rPr lang="en" sz="1787"/>
+            </a:br>
+            <a:r>
+              <a:rPr lang="en" sz="1787" u="sng">
+                <a:solidFill>
+                  <a:schemeClr val="hlink"/>
+                </a:solidFill>
+                <a:hlinkClick r:id="rId4"/>
+              </a:rPr>
+              <a:t>https://sbmlsim.readthedocs.io</a:t>
+            </a:r>
             <a:r>
               <a:rPr lang="en" sz="1787"/>
               <a:t> </a:t>
@@ -7331,7 +7355,7 @@
             <a:endParaRPr b="1" sz="1800"/>
           </a:p>
           <a:p>
-            <a:pPr indent="-334327" lvl="0" marL="457200" rtl="0" algn="l">
+            <a:pPr indent="-317182" lvl="0" marL="457200" rtl="0" algn="l">
               <a:spcBef>
                 <a:spcPts val="1200"/>
               </a:spcBef>
@@ -7348,24 +7372,7 @@
             <a:endParaRPr sz="1800"/>
           </a:p>
           <a:p>
-            <a:pPr indent="-334327" lvl="0" marL="457200" rtl="0" algn="l">
-              <a:spcBef>
-                <a:spcPts val="0"/>
-              </a:spcBef>
-              <a:spcAft>
-                <a:spcPts val="0"/>
-              </a:spcAft>
-              <a:buSzPct val="100000"/>
-              <a:buChar char="●"/>
-            </a:pPr>
-            <a:r>
-              <a:rPr lang="en" sz="1800"/>
-              <a:t>unit support</a:t>
-            </a:r>
-            <a:endParaRPr sz="1800"/>
-          </a:p>
-          <a:p>
-            <a:pPr indent="-334327" lvl="0" marL="457200" rtl="0" algn="l">
+            <a:pPr indent="-317182" lvl="0" marL="457200" rtl="0" algn="l">
               <a:spcBef>
                 <a:spcPts val="0"/>
               </a:spcBef>
@@ -7382,7 +7389,7 @@
             <a:endParaRPr sz="1800"/>
           </a:p>
           <a:p>
-            <a:pPr indent="-334327" lvl="0" marL="457200" rtl="0" algn="l">
+            <a:pPr indent="-317182" lvl="0" marL="457200" rtl="0" algn="l">
               <a:spcBef>
                 <a:spcPts val="0"/>
               </a:spcBef>
@@ -7394,12 +7401,46 @@
             </a:pPr>
             <a:r>
               <a:rPr lang="en" sz="1800"/>
-              <a:t>simulation experiments</a:t>
+              <a:t>unit support (&amp; conversion)</a:t>
             </a:r>
             <a:endParaRPr sz="1800"/>
           </a:p>
           <a:p>
-            <a:pPr indent="-334327" lvl="0" marL="457200" rtl="0" algn="l">
+            <a:pPr indent="-317182" lvl="0" marL="457200" rtl="0" algn="l">
+              <a:spcBef>
+                <a:spcPts val="0"/>
+              </a:spcBef>
+              <a:spcAft>
+                <a:spcPts val="0"/>
+              </a:spcAft>
+              <a:buSzPct val="100000"/>
+              <a:buChar char="●"/>
+            </a:pPr>
+            <a:r>
+              <a:rPr lang="en" sz="1800"/>
+              <a:t>multi-core execution (ray)</a:t>
+            </a:r>
+            <a:endParaRPr sz="1800"/>
+          </a:p>
+          <a:p>
+            <a:pPr indent="-317182" lvl="0" marL="457200" rtl="0" algn="l">
+              <a:spcBef>
+                <a:spcPts val="0"/>
+              </a:spcBef>
+              <a:spcAft>
+                <a:spcPts val="0"/>
+              </a:spcAft>
+              <a:buSzPct val="100000"/>
+              <a:buChar char="●"/>
+            </a:pPr>
+            <a:r>
+              <a:rPr lang="en" sz="1800"/>
+              <a:t>simulation experiments (publications)</a:t>
+            </a:r>
+            <a:endParaRPr sz="1800"/>
+          </a:p>
+          <a:p>
+            <a:pPr indent="-317182" lvl="0" marL="457200" rtl="0" algn="l">
               <a:spcBef>
                 <a:spcPts val="0"/>
               </a:spcBef>
@@ -7416,7 +7457,7 @@
             <a:endParaRPr sz="1800"/>
           </a:p>
           <a:p>
-            <a:pPr indent="-334327" lvl="0" marL="457200" rtl="0" algn="l">
+            <a:pPr indent="-317182" lvl="0" marL="457200" rtl="0" algn="l">
               <a:spcBef>
                 <a:spcPts val="0"/>
               </a:spcBef>
@@ -7441,7 +7482,7 @@
           <p:nvPr/>
         </p:nvPicPr>
         <p:blipFill>
-          <a:blip r:embed="rId4">
+          <a:blip r:embed="rId5">
             <a:alphaModFix/>
           </a:blip>
           <a:stretch>
@@ -7469,7 +7510,7 @@
           <p:nvPr/>
         </p:nvPicPr>
         <p:blipFill>
-          <a:blip r:embed="rId5">
+          <a:blip r:embed="rId6">
             <a:alphaModFix/>
           </a:blip>
           <a:stretch>
@@ -7497,7 +7538,7 @@
           <p:nvPr/>
         </p:nvPicPr>
         <p:blipFill rotWithShape="1">
-          <a:blip r:embed="rId6">
+          <a:blip r:embed="rId7">
             <a:alphaModFix/>
           </a:blip>
           <a:srcRect b="49099" l="0" r="0" t="0"/>
@@ -7524,7 +7565,7 @@
           <p:nvPr/>
         </p:nvPicPr>
         <p:blipFill>
-          <a:blip r:embed="rId7">
+          <a:blip r:embed="rId8">
             <a:alphaModFix/>
           </a:blip>
           <a:stretch>
@@ -7552,7 +7593,7 @@
           <p:nvPr/>
         </p:nvPicPr>
         <p:blipFill>
-          <a:blip r:embed="rId8">
+          <a:blip r:embed="rId9">
             <a:alphaModFix/>
           </a:blip>
           <a:stretch>
